--- a/CSharpProgramming/Presentations/Dictionary.pptx
+++ b/CSharpProgramming/Presentations/Dictionary.pptx
@@ -263,7 +263,7 @@
           <a:p>
             <a:fld id="{E15B7D8E-2A20-4C0E-991C-872DBB7459A8}" type="datetimeFigureOut">
               <a:rPr lang="da-DK" smtClean="0"/>
-              <a:t>07-10-2017</a:t>
+              <a:t>13-10-2017</a:t>
             </a:fld>
             <a:endParaRPr lang="da-DK"/>
           </a:p>
@@ -433,7 +433,7 @@
           <a:p>
             <a:fld id="{E15B7D8E-2A20-4C0E-991C-872DBB7459A8}" type="datetimeFigureOut">
               <a:rPr lang="da-DK" smtClean="0"/>
-              <a:t>07-10-2017</a:t>
+              <a:t>13-10-2017</a:t>
             </a:fld>
             <a:endParaRPr lang="da-DK"/>
           </a:p>
@@ -613,7 +613,7 @@
           <a:p>
             <a:fld id="{E15B7D8E-2A20-4C0E-991C-872DBB7459A8}" type="datetimeFigureOut">
               <a:rPr lang="da-DK" smtClean="0"/>
-              <a:t>07-10-2017</a:t>
+              <a:t>13-10-2017</a:t>
             </a:fld>
             <a:endParaRPr lang="da-DK"/>
           </a:p>
@@ -783,7 +783,7 @@
           <a:p>
             <a:fld id="{E15B7D8E-2A20-4C0E-991C-872DBB7459A8}" type="datetimeFigureOut">
               <a:rPr lang="da-DK" smtClean="0"/>
-              <a:t>07-10-2017</a:t>
+              <a:t>13-10-2017</a:t>
             </a:fld>
             <a:endParaRPr lang="da-DK"/>
           </a:p>
@@ -1029,7 +1029,7 @@
           <a:p>
             <a:fld id="{E15B7D8E-2A20-4C0E-991C-872DBB7459A8}" type="datetimeFigureOut">
               <a:rPr lang="da-DK" smtClean="0"/>
-              <a:t>07-10-2017</a:t>
+              <a:t>13-10-2017</a:t>
             </a:fld>
             <a:endParaRPr lang="da-DK"/>
           </a:p>
@@ -1261,7 +1261,7 @@
           <a:p>
             <a:fld id="{E15B7D8E-2A20-4C0E-991C-872DBB7459A8}" type="datetimeFigureOut">
               <a:rPr lang="da-DK" smtClean="0"/>
-              <a:t>07-10-2017</a:t>
+              <a:t>13-10-2017</a:t>
             </a:fld>
             <a:endParaRPr lang="da-DK"/>
           </a:p>
@@ -1628,7 +1628,7 @@
           <a:p>
             <a:fld id="{E15B7D8E-2A20-4C0E-991C-872DBB7459A8}" type="datetimeFigureOut">
               <a:rPr lang="da-DK" smtClean="0"/>
-              <a:t>07-10-2017</a:t>
+              <a:t>13-10-2017</a:t>
             </a:fld>
             <a:endParaRPr lang="da-DK"/>
           </a:p>
@@ -1746,7 +1746,7 @@
           <a:p>
             <a:fld id="{E15B7D8E-2A20-4C0E-991C-872DBB7459A8}" type="datetimeFigureOut">
               <a:rPr lang="da-DK" smtClean="0"/>
-              <a:t>07-10-2017</a:t>
+              <a:t>13-10-2017</a:t>
             </a:fld>
             <a:endParaRPr lang="da-DK"/>
           </a:p>
@@ -1841,7 +1841,7 @@
           <a:p>
             <a:fld id="{E15B7D8E-2A20-4C0E-991C-872DBB7459A8}" type="datetimeFigureOut">
               <a:rPr lang="da-DK" smtClean="0"/>
-              <a:t>07-10-2017</a:t>
+              <a:t>13-10-2017</a:t>
             </a:fld>
             <a:endParaRPr lang="da-DK"/>
           </a:p>
@@ -2118,7 +2118,7 @@
           <a:p>
             <a:fld id="{E15B7D8E-2A20-4C0E-991C-872DBB7459A8}" type="datetimeFigureOut">
               <a:rPr lang="da-DK" smtClean="0"/>
-              <a:t>07-10-2017</a:t>
+              <a:t>13-10-2017</a:t>
             </a:fld>
             <a:endParaRPr lang="da-DK"/>
           </a:p>
@@ -2371,7 +2371,7 @@
           <a:p>
             <a:fld id="{E15B7D8E-2A20-4C0E-991C-872DBB7459A8}" type="datetimeFigureOut">
               <a:rPr lang="da-DK" smtClean="0"/>
-              <a:t>07-10-2017</a:t>
+              <a:t>13-10-2017</a:t>
             </a:fld>
             <a:endParaRPr lang="da-DK"/>
           </a:p>
@@ -2584,7 +2584,7 @@
           <a:p>
             <a:fld id="{E15B7D8E-2A20-4C0E-991C-872DBB7459A8}" type="datetimeFigureOut">
               <a:rPr lang="da-DK" smtClean="0"/>
-              <a:t>07-10-2017</a:t>
+              <a:t>13-10-2017</a:t>
             </a:fld>
             <a:endParaRPr lang="da-DK"/>
           </a:p>
@@ -3230,7 +3230,7 @@
                   <a:srgbClr val="FFFF00"/>
                 </a:solidFill>
               </a:rPr>
-              <a:t>011494-2284</a:t>
+              <a:t>140194-2284</a:t>
             </a:r>
             <a:endParaRPr lang="da-DK">
               <a:solidFill>
@@ -3362,7 +3362,7 @@
                   <a:srgbClr val="FFFF00"/>
                 </a:solidFill>
               </a:rPr>
-              <a:t>072291-0811</a:t>
+              <a:t>220791-0811</a:t>
             </a:r>
             <a:endParaRPr lang="da-DK">
               <a:solidFill>
@@ -3516,7 +3516,7 @@
                   <a:srgbClr val="FFFF00"/>
                 </a:solidFill>
               </a:rPr>
-              <a:t>011494-2284</a:t>
+              <a:t>140194-2284</a:t>
             </a:r>
             <a:endParaRPr lang="da-DK">
               <a:solidFill>
@@ -3624,7 +3624,7 @@
                   <a:srgbClr val="FFFF00"/>
                 </a:solidFill>
               </a:rPr>
-              <a:t>072291-0811</a:t>
+              <a:t>220791-0811</a:t>
             </a:r>
             <a:endParaRPr lang="da-DK">
               <a:solidFill>
@@ -3890,11 +3890,11 @@
   <p:clrMapOvr>
     <a:masterClrMapping/>
   </p:clrMapOvr>
-  <mc:AlternateContent xmlns:mc="http://schemas.openxmlformats.org/markup-compatibility/2006">
-    <mc:Choice xmlns:p14="http://schemas.microsoft.com/office/powerpoint/2010/main" Requires="p14">
+  <mc:AlternateContent xmlns:mc="http://schemas.openxmlformats.org/markup-compatibility/2006" xmlns:p14="http://schemas.microsoft.com/office/powerpoint/2010/main">
+    <mc:Choice Requires="p14">
       <p:transition p14:dur="0"/>
     </mc:Choice>
-    <mc:Fallback>
+    <mc:Fallback xmlns="">
       <p:transition/>
     </mc:Fallback>
   </mc:AlternateContent>
@@ -4093,7 +4093,7 @@
                   <a:srgbClr val="FFFF00"/>
                 </a:solidFill>
               </a:rPr>
-              <a:t>011494-2284</a:t>
+              <a:t>140194-2284</a:t>
             </a:r>
             <a:endParaRPr lang="da-DK">
               <a:solidFill>
@@ -4225,7 +4225,15 @@
                   <a:srgbClr val="FFFF00"/>
                 </a:solidFill>
               </a:rPr>
-              <a:t>072291-0811</a:t>
+              <a:t>2207</a:t>
+            </a:r>
+            <a:r>
+              <a:rPr lang="da-DK" smtClean="0">
+                <a:solidFill>
+                  <a:srgbClr val="FFFF00"/>
+                </a:solidFill>
+              </a:rPr>
+              <a:t>91-0811</a:t>
             </a:r>
             <a:endParaRPr lang="da-DK">
               <a:solidFill>
@@ -4379,7 +4387,7 @@
                   <a:srgbClr val="FFFF00"/>
                 </a:solidFill>
               </a:rPr>
-              <a:t>011494-2284</a:t>
+              <a:t>140194-2284</a:t>
             </a:r>
             <a:endParaRPr lang="da-DK">
               <a:solidFill>
@@ -4487,7 +4495,7 @@
                   <a:srgbClr val="FFFF00"/>
                 </a:solidFill>
               </a:rPr>
-              <a:t>072291-0811</a:t>
+              <a:t>220791-0811</a:t>
             </a:r>
             <a:endParaRPr lang="da-DK">
               <a:solidFill>
@@ -4878,9 +4886,6 @@
               </a:rPr>
               <a:t>&gt;(); </a:t>
             </a:r>
-            <a:endParaRPr lang="da-DK" sz="2000" b="1" smtClean="0">
-              <a:latin typeface="Consolas" panose="020B0609020204030204" pitchFamily="49" charset="0"/>
-            </a:endParaRPr>
           </a:p>
           <a:p>
             <a:r>
@@ -4896,16 +4901,7 @@
                 </a:solidFill>
                 <a:latin typeface="Consolas" panose="020B0609020204030204" pitchFamily="49" charset="0"/>
               </a:rPr>
-              <a:t>"</a:t>
-            </a:r>
-            <a:r>
-              <a:rPr lang="en-US" sz="2000" b="1">
-                <a:solidFill>
-                  <a:srgbClr val="C00000"/>
-                </a:solidFill>
-                <a:latin typeface="Consolas" panose="020B0609020204030204" pitchFamily="49" charset="0"/>
-              </a:rPr>
-              <a:t>030388-1090</a:t>
+              <a:t>"030388-1090</a:t>
             </a:r>
             <a:r>
               <a:rPr lang="en-US" sz="2000" b="1" smtClean="0">
@@ -5336,7 +5332,7 @@
                   <a:srgbClr val="FFFF00"/>
                 </a:solidFill>
               </a:rPr>
-              <a:t>011494-2284</a:t>
+              <a:t>140194-2284</a:t>
             </a:r>
             <a:endParaRPr lang="da-DK">
               <a:solidFill>
@@ -5468,7 +5464,7 @@
                   <a:srgbClr val="FFFF00"/>
                 </a:solidFill>
               </a:rPr>
-              <a:t>072291-0811</a:t>
+              <a:t>220791-0811</a:t>
             </a:r>
             <a:endParaRPr lang="da-DK">
               <a:solidFill>
@@ -5622,7 +5618,7 @@
                   <a:srgbClr val="FFFF00"/>
                 </a:solidFill>
               </a:rPr>
-              <a:t>011494-2284</a:t>
+              <a:t>140194-2284</a:t>
             </a:r>
             <a:endParaRPr lang="da-DK">
               <a:solidFill>
@@ -5730,7 +5726,7 @@
                   <a:srgbClr val="FFFF00"/>
                 </a:solidFill>
               </a:rPr>
-              <a:t>072291-0811</a:t>
+              <a:t>220791-0811</a:t>
             </a:r>
             <a:endParaRPr lang="da-DK">
               <a:solidFill>
@@ -6121,9 +6117,6 @@
               </a:rPr>
               <a:t>&gt;(); </a:t>
             </a:r>
-            <a:endParaRPr lang="da-DK" sz="2000" b="1" smtClean="0">
-              <a:latin typeface="Consolas" panose="020B0609020204030204" pitchFamily="49" charset="0"/>
-            </a:endParaRPr>
           </a:p>
           <a:p>
             <a:r>
@@ -6139,16 +6132,7 @@
                 </a:solidFill>
                 <a:latin typeface="Consolas" panose="020B0609020204030204" pitchFamily="49" charset="0"/>
               </a:rPr>
-              <a:t>"030388-1090</a:t>
-            </a:r>
-            <a:r>
-              <a:rPr lang="en-US" sz="2000" b="1">
-                <a:solidFill>
-                  <a:srgbClr val="C00000"/>
-                </a:solidFill>
-                <a:latin typeface="Consolas" panose="020B0609020204030204" pitchFamily="49" charset="0"/>
-              </a:rPr>
-              <a:t>"</a:t>
+              <a:t>"030388-1090"</a:t>
             </a:r>
             <a:r>
               <a:rPr lang="da-DK" sz="2000" b="1" smtClean="0">
@@ -6485,7 +6469,7 @@
                   <a:srgbClr val="FFFF00"/>
                 </a:solidFill>
               </a:rPr>
-              <a:t>011494-2284</a:t>
+              <a:t>140194-2284</a:t>
             </a:r>
             <a:endParaRPr lang="da-DK">
               <a:solidFill>
@@ -6617,7 +6601,7 @@
                   <a:srgbClr val="FFFF00"/>
                 </a:solidFill>
               </a:rPr>
-              <a:t>072291-0811</a:t>
+              <a:t>220791-0811</a:t>
             </a:r>
             <a:endParaRPr lang="da-DK">
               <a:solidFill>
@@ -6771,7 +6755,7 @@
                   <a:srgbClr val="FFFF00"/>
                 </a:solidFill>
               </a:rPr>
-              <a:t>011494-2284</a:t>
+              <a:t>140194-2284</a:t>
             </a:r>
             <a:endParaRPr lang="da-DK">
               <a:solidFill>
@@ -6879,7 +6863,7 @@
                   <a:srgbClr val="FFFF00"/>
                 </a:solidFill>
               </a:rPr>
-              <a:t>072291-0811</a:t>
+              <a:t>220791-0811</a:t>
             </a:r>
             <a:endParaRPr lang="da-DK">
               <a:solidFill>
@@ -7270,9 +7254,6 @@
               </a:rPr>
               <a:t>&gt;(); </a:t>
             </a:r>
-            <a:endParaRPr lang="da-DK" sz="2000" b="1" smtClean="0">
-              <a:latin typeface="Consolas" panose="020B0609020204030204" pitchFamily="49" charset="0"/>
-            </a:endParaRPr>
           </a:p>
           <a:p>
             <a:r>
@@ -7288,16 +7269,7 @@
                 </a:solidFill>
                 <a:latin typeface="Consolas" panose="020B0609020204030204" pitchFamily="49" charset="0"/>
               </a:rPr>
-              <a:t>"</a:t>
-            </a:r>
-            <a:r>
-              <a:rPr lang="en-US" sz="2000" b="1">
-                <a:solidFill>
-                  <a:srgbClr val="C00000"/>
-                </a:solidFill>
-                <a:latin typeface="Consolas" panose="020B0609020204030204" pitchFamily="49" charset="0"/>
-              </a:rPr>
-              <a:t>030388-1090</a:t>
+              <a:t>"030388-1090</a:t>
             </a:r>
             <a:r>
               <a:rPr lang="en-US" sz="2000" b="1" smtClean="0">
@@ -7673,7 +7645,7 @@
                   <a:srgbClr val="FFFF00"/>
                 </a:solidFill>
               </a:rPr>
-              <a:t>011494-2284</a:t>
+              <a:t>140194-2284</a:t>
             </a:r>
             <a:endParaRPr lang="da-DK">
               <a:solidFill>
@@ -7805,7 +7777,7 @@
                   <a:srgbClr val="FFFF00"/>
                 </a:solidFill>
               </a:rPr>
-              <a:t>072291-0811</a:t>
+              <a:t>220791-0811</a:t>
             </a:r>
             <a:endParaRPr lang="da-DK">
               <a:solidFill>
@@ -7917,13 +7889,13 @@
       </p:sp>
       <p:sp>
         <p:nvSpPr>
-          <p:cNvPr id="17" name="Rektangel 16"/>
+          <p:cNvPr id="19" name="Rektangel 18"/>
           <p:cNvSpPr/>
           <p:nvPr/>
         </p:nvSpPr>
         <p:spPr>
           <a:xfrm>
-            <a:off x="4289302" y="2641601"/>
+            <a:off x="6147868" y="2641601"/>
             <a:ext cx="1443612" cy="558158"/>
           </a:xfrm>
           <a:prstGeom prst="rect">
@@ -7959,7 +7931,7 @@
                   <a:srgbClr val="FFFF00"/>
                 </a:solidFill>
               </a:rPr>
-              <a:t>011494-2284</a:t>
+              <a:t>030388-1090</a:t>
             </a:r>
             <a:endParaRPr lang="da-DK">
               <a:solidFill>
@@ -7971,13 +7943,13 @@
       </p:sp>
       <p:sp>
         <p:nvSpPr>
-          <p:cNvPr id="19" name="Rektangel 18"/>
+          <p:cNvPr id="21" name="Rektangel 20"/>
           <p:cNvSpPr/>
           <p:nvPr/>
         </p:nvSpPr>
         <p:spPr>
           <a:xfrm>
-            <a:off x="6147868" y="2641601"/>
+            <a:off x="8006434" y="2641601"/>
             <a:ext cx="1443612" cy="558158"/>
           </a:xfrm>
           <a:prstGeom prst="rect">
@@ -8013,7 +7985,7 @@
                   <a:srgbClr val="FFFF00"/>
                 </a:solidFill>
               </a:rPr>
-              <a:t>030388-1090</a:t>
+              <a:t>220791-0811</a:t>
             </a:r>
             <a:endParaRPr lang="da-DK">
               <a:solidFill>
@@ -8023,60 +7995,6 @@
           </a:p>
         </p:txBody>
       </p:sp>
-      <p:sp>
-        <p:nvSpPr>
-          <p:cNvPr id="21" name="Rektangel 20"/>
-          <p:cNvSpPr/>
-          <p:nvPr/>
-        </p:nvSpPr>
-        <p:spPr>
-          <a:xfrm>
-            <a:off x="8006434" y="2641601"/>
-            <a:ext cx="1443612" cy="558158"/>
-          </a:xfrm>
-          <a:prstGeom prst="rect">
-            <a:avLst/>
-          </a:prstGeom>
-          <a:solidFill>
-            <a:srgbClr val="FF0000"/>
-          </a:solidFill>
-        </p:spPr>
-        <p:style>
-          <a:lnRef idx="2">
-            <a:schemeClr val="accent1">
-              <a:shade val="50000"/>
-            </a:schemeClr>
-          </a:lnRef>
-          <a:fillRef idx="1">
-            <a:schemeClr val="accent1"/>
-          </a:fillRef>
-          <a:effectRef idx="0">
-            <a:schemeClr val="accent1"/>
-          </a:effectRef>
-          <a:fontRef idx="minor">
-            <a:schemeClr val="lt1"/>
-          </a:fontRef>
-        </p:style>
-        <p:txBody>
-          <a:bodyPr rtlCol="0" anchor="ctr"/>
-          <a:lstStyle/>
-          <a:p>
-            <a:r>
-              <a:rPr lang="da-DK" smtClean="0">
-                <a:solidFill>
-                  <a:srgbClr val="FFFF00"/>
-                </a:solidFill>
-              </a:rPr>
-              <a:t>072291-0811</a:t>
-            </a:r>
-            <a:endParaRPr lang="da-DK">
-              <a:solidFill>
-                <a:srgbClr val="FFFF00"/>
-              </a:solidFill>
-            </a:endParaRPr>
-          </a:p>
-        </p:txBody>
-      </p:sp>
       <p:cxnSp>
         <p:nvCxnSpPr>
           <p:cNvPr id="29" name="Lige pilforbindelse 28"/>
@@ -8086,39 +8004,6 @@
         <p:spPr>
           <a:xfrm>
             <a:off x="3223039" y="3105574"/>
-            <a:ext cx="13547" cy="1673013"/>
-          </a:xfrm>
-          <a:prstGeom prst="straightConnector1">
-            <a:avLst/>
-          </a:prstGeom>
-          <a:ln w="76200">
-            <a:tailEnd type="triangle"/>
-          </a:ln>
-        </p:spPr>
-        <p:style>
-          <a:lnRef idx="1">
-            <a:schemeClr val="accent1"/>
-          </a:lnRef>
-          <a:fillRef idx="0">
-            <a:schemeClr val="accent1"/>
-          </a:fillRef>
-          <a:effectRef idx="0">
-            <a:schemeClr val="accent1"/>
-          </a:effectRef>
-          <a:fontRef idx="minor">
-            <a:schemeClr val="tx1"/>
-          </a:fontRef>
-        </p:style>
-      </p:cxnSp>
-      <p:cxnSp>
-        <p:nvCxnSpPr>
-          <p:cNvPr id="30" name="Lige pilforbindelse 29"/>
-          <p:cNvCxnSpPr/>
-          <p:nvPr/>
-        </p:nvCxnSpPr>
-        <p:spPr>
-          <a:xfrm>
-            <a:off x="5004334" y="3105573"/>
             <a:ext cx="13547" cy="1673013"/>
           </a:xfrm>
           <a:prstGeom prst="straightConnector1">
@@ -8458,9 +8343,6 @@
               </a:rPr>
               <a:t>&gt;(); </a:t>
             </a:r>
-            <a:endParaRPr lang="da-DK" sz="2000" b="1" smtClean="0">
-              <a:latin typeface="Consolas" panose="020B0609020204030204" pitchFamily="49" charset="0"/>
-            </a:endParaRPr>
           </a:p>
           <a:p>
             <a:r>
@@ -8476,16 +8358,7 @@
                 </a:solidFill>
                 <a:latin typeface="Consolas" panose="020B0609020204030204" pitchFamily="49" charset="0"/>
               </a:rPr>
-              <a:t>"030388-1090</a:t>
-            </a:r>
-            <a:r>
-              <a:rPr lang="en-US" sz="2000" b="1">
-                <a:solidFill>
-                  <a:srgbClr val="C00000"/>
-                </a:solidFill>
-                <a:latin typeface="Consolas" panose="020B0609020204030204" pitchFamily="49" charset="0"/>
-              </a:rPr>
-              <a:t>"</a:t>
+              <a:t>"030388-1090"</a:t>
             </a:r>
             <a:r>
               <a:rPr lang="da-DK" sz="2000" b="1" smtClean="0">
@@ -8615,6 +8488,93 @@
           </a:extLst>
         </p:spPr>
       </p:pic>
+      <p:sp>
+        <p:nvSpPr>
+          <p:cNvPr id="20" name="Rektangel 19"/>
+          <p:cNvSpPr/>
+          <p:nvPr/>
+        </p:nvSpPr>
+        <p:spPr>
+          <a:xfrm>
+            <a:off x="4289302" y="2641601"/>
+            <a:ext cx="1443612" cy="558158"/>
+          </a:xfrm>
+          <a:prstGeom prst="rect">
+            <a:avLst/>
+          </a:prstGeom>
+          <a:solidFill>
+            <a:srgbClr val="FF0000"/>
+          </a:solidFill>
+        </p:spPr>
+        <p:style>
+          <a:lnRef idx="2">
+            <a:schemeClr val="accent1">
+              <a:shade val="50000"/>
+            </a:schemeClr>
+          </a:lnRef>
+          <a:fillRef idx="1">
+            <a:schemeClr val="accent1"/>
+          </a:fillRef>
+          <a:effectRef idx="0">
+            <a:schemeClr val="accent1"/>
+          </a:effectRef>
+          <a:fontRef idx="minor">
+            <a:schemeClr val="lt1"/>
+          </a:fontRef>
+        </p:style>
+        <p:txBody>
+          <a:bodyPr rtlCol="0" anchor="ctr"/>
+          <a:lstStyle/>
+          <a:p>
+            <a:r>
+              <a:rPr lang="da-DK" smtClean="0">
+                <a:solidFill>
+                  <a:srgbClr val="FFFF00"/>
+                </a:solidFill>
+              </a:rPr>
+              <a:t>140194-2284</a:t>
+            </a:r>
+            <a:endParaRPr lang="da-DK">
+              <a:solidFill>
+                <a:srgbClr val="FFFF00"/>
+              </a:solidFill>
+            </a:endParaRPr>
+          </a:p>
+        </p:txBody>
+      </p:sp>
+      <p:cxnSp>
+        <p:nvCxnSpPr>
+          <p:cNvPr id="30" name="Lige pilforbindelse 29"/>
+          <p:cNvCxnSpPr/>
+          <p:nvPr/>
+        </p:nvCxnSpPr>
+        <p:spPr>
+          <a:xfrm>
+            <a:off x="5004334" y="3105573"/>
+            <a:ext cx="13547" cy="1673013"/>
+          </a:xfrm>
+          <a:prstGeom prst="straightConnector1">
+            <a:avLst/>
+          </a:prstGeom>
+          <a:ln w="76200">
+            <a:tailEnd type="triangle"/>
+          </a:ln>
+        </p:spPr>
+        <p:style>
+          <a:lnRef idx="1">
+            <a:schemeClr val="accent1"/>
+          </a:lnRef>
+          <a:fillRef idx="0">
+            <a:schemeClr val="accent1"/>
+          </a:fillRef>
+          <a:effectRef idx="0">
+            <a:schemeClr val="accent1"/>
+          </a:effectRef>
+          <a:fontRef idx="minor">
+            <a:schemeClr val="tx1"/>
+          </a:fontRef>
+        </p:style>
+      </p:cxnSp>
     </p:spTree>
     <p:extLst>
       <p:ext uri="{BB962C8B-B14F-4D97-AF65-F5344CB8AC3E}">
@@ -8832,7 +8792,7 @@
                   <a:srgbClr val="FFFF00"/>
                 </a:solidFill>
               </a:rPr>
-              <a:t>011494-2284</a:t>
+              <a:t>140194-2284</a:t>
             </a:r>
             <a:endParaRPr lang="da-DK">
               <a:solidFill>
@@ -8964,7 +8924,7 @@
                   <a:srgbClr val="FFFF00"/>
                 </a:solidFill>
               </a:rPr>
-              <a:t>072291-0811</a:t>
+              <a:t>220791-0811</a:t>
             </a:r>
             <a:endParaRPr lang="da-DK">
               <a:solidFill>
@@ -9118,7 +9078,7 @@
                   <a:srgbClr val="FFFF00"/>
                 </a:solidFill>
               </a:rPr>
-              <a:t>011494-2284</a:t>
+              <a:t>140194-2284</a:t>
             </a:r>
             <a:endParaRPr lang="da-DK">
               <a:solidFill>
@@ -9226,7 +9186,7 @@
                   <a:srgbClr val="FFFF00"/>
                 </a:solidFill>
               </a:rPr>
-              <a:t>072291-0811</a:t>
+              <a:t>220791-0811</a:t>
             </a:r>
             <a:endParaRPr lang="da-DK">
               <a:solidFill>
@@ -9577,18 +9537,7 @@
                 </a:solidFill>
                 <a:latin typeface="Consolas" panose="020B0609020204030204" pitchFamily="49" charset="0"/>
               </a:rPr>
-              <a:t>// </a:t>
-            </a:r>
-            <a:r>
-              <a:rPr lang="da-DK" sz="2800" b="1">
-                <a:solidFill>
-                  <a:schemeClr val="accent6">
-                    <a:lumMod val="75000"/>
-                  </a:schemeClr>
-                </a:solidFill>
-                <a:latin typeface="Consolas" panose="020B0609020204030204" pitchFamily="49" charset="0"/>
-              </a:rPr>
-              <a:t>= </a:t>
+              <a:t>// = </a:t>
             </a:r>
             <a:r>
               <a:rPr lang="da-DK" sz="2800" b="1" smtClean="0">
@@ -9866,7 +9815,7 @@
                   <a:srgbClr val="FFFF00"/>
                 </a:solidFill>
               </a:rPr>
-              <a:t>011494-2284</a:t>
+              <a:t>140194-2284</a:t>
             </a:r>
             <a:endParaRPr lang="da-DK">
               <a:solidFill>
@@ -9998,7 +9947,7 @@
                   <a:srgbClr val="FFFF00"/>
                 </a:solidFill>
               </a:rPr>
-              <a:t>072291-0811</a:t>
+              <a:t>220791-0811</a:t>
             </a:r>
             <a:endParaRPr lang="da-DK">
               <a:solidFill>
@@ -10152,7 +10101,7 @@
                   <a:srgbClr val="FFFF00"/>
                 </a:solidFill>
               </a:rPr>
-              <a:t>011494-2284</a:t>
+              <a:t>140194-2284</a:t>
             </a:r>
             <a:endParaRPr lang="da-DK">
               <a:solidFill>
@@ -10260,7 +10209,7 @@
                   <a:srgbClr val="FFFF00"/>
                 </a:solidFill>
               </a:rPr>
-              <a:t>072291-0811</a:t>
+              <a:t>220791-0811</a:t>
             </a:r>
             <a:endParaRPr lang="da-DK">
               <a:solidFill>
@@ -10562,16 +10511,7 @@
                 </a:solidFill>
                 <a:latin typeface="Consolas" panose="020B0609020204030204" pitchFamily="49" charset="0"/>
               </a:rPr>
-              <a:t>"030388-1090</a:t>
-            </a:r>
-            <a:r>
-              <a:rPr lang="en-US" sz="2800" b="1">
-                <a:solidFill>
-                  <a:srgbClr val="C00000"/>
-                </a:solidFill>
-                <a:latin typeface="Consolas" panose="020B0609020204030204" pitchFamily="49" charset="0"/>
-              </a:rPr>
-              <a:t>"</a:t>
+              <a:t>"030388-1090"</a:t>
             </a:r>
             <a:r>
               <a:rPr lang="da-DK" sz="2800" b="1" smtClean="0">
@@ -10596,13 +10536,7 @@
               <a:rPr lang="da-DK" sz="2800" b="1">
                 <a:latin typeface="Consolas" panose="020B0609020204030204" pitchFamily="49" charset="0"/>
               </a:rPr>
-              <a:t> s = students</a:t>
-            </a:r>
-            <a:r>
-              <a:rPr lang="da-DK" sz="2800" b="1">
-                <a:latin typeface="Consolas" panose="020B0609020204030204" pitchFamily="49" charset="0"/>
-              </a:rPr>
-              <a:t>[</a:t>
+              <a:t> s = students[</a:t>
             </a:r>
             <a:r>
               <a:rPr lang="en-US" sz="2800" b="1" smtClean="0">
@@ -10883,7 +10817,7 @@
                   <a:srgbClr val="FFFF00"/>
                 </a:solidFill>
               </a:rPr>
-              <a:t>011494-2284</a:t>
+              <a:t>140194-2284</a:t>
             </a:r>
             <a:endParaRPr lang="da-DK">
               <a:solidFill>
@@ -11015,7 +10949,7 @@
                   <a:srgbClr val="FFFF00"/>
                 </a:solidFill>
               </a:rPr>
-              <a:t>072291-0811</a:t>
+              <a:t>220791-0811</a:t>
             </a:r>
             <a:endParaRPr lang="da-DK">
               <a:solidFill>
@@ -11169,7 +11103,7 @@
                   <a:srgbClr val="FFFF00"/>
                 </a:solidFill>
               </a:rPr>
-              <a:t>011494-2284</a:t>
+              <a:t>140194-2284</a:t>
             </a:r>
             <a:endParaRPr lang="da-DK">
               <a:solidFill>
@@ -11277,7 +11211,7 @@
                   <a:srgbClr val="FFFF00"/>
                 </a:solidFill>
               </a:rPr>
-              <a:t>072291-0811</a:t>
+              <a:t>220791-0811</a:t>
             </a:r>
             <a:endParaRPr lang="da-DK">
               <a:solidFill>
@@ -11621,13 +11555,7 @@
               <a:rPr lang="da-DK" sz="2400" b="1">
                 <a:latin typeface="Consolas" panose="020B0609020204030204" pitchFamily="49" charset="0"/>
               </a:rPr>
-              <a:t>s </a:t>
-            </a:r>
-            <a:r>
-              <a:rPr lang="da-DK" sz="2400" b="1">
-                <a:latin typeface="Consolas" panose="020B0609020204030204" pitchFamily="49" charset="0"/>
-              </a:rPr>
-              <a:t>= </a:t>
+              <a:t>s = </a:t>
             </a:r>
             <a:r>
               <a:rPr lang="da-DK" sz="2400" b="1" smtClean="0">
@@ -11916,7 +11844,7 @@
                   <a:srgbClr val="FFFF00"/>
                 </a:solidFill>
               </a:rPr>
-              <a:t>011494-2284</a:t>
+              <a:t>140194-2284</a:t>
             </a:r>
             <a:endParaRPr lang="da-DK">
               <a:solidFill>
@@ -12048,7 +11976,7 @@
                   <a:srgbClr val="FFFF00"/>
                 </a:solidFill>
               </a:rPr>
-              <a:t>072291-0811</a:t>
+              <a:t>220791-0811</a:t>
             </a:r>
             <a:endParaRPr lang="da-DK">
               <a:solidFill>
@@ -12202,7 +12130,7 @@
                   <a:srgbClr val="FFFF00"/>
                 </a:solidFill>
               </a:rPr>
-              <a:t>011494-2284</a:t>
+              <a:t>140194-2284</a:t>
             </a:r>
             <a:endParaRPr lang="da-DK">
               <a:solidFill>
@@ -12310,7 +12238,7 @@
                   <a:srgbClr val="FFFF00"/>
                 </a:solidFill>
               </a:rPr>
-              <a:t>072291-0811</a:t>
+              <a:t>220791-0811</a:t>
             </a:r>
             <a:endParaRPr lang="da-DK">
               <a:solidFill>
@@ -12609,13 +12537,7 @@
               <a:rPr lang="da-DK" sz="2400" b="1">
                 <a:latin typeface="Consolas" panose="020B0609020204030204" pitchFamily="49" charset="0"/>
               </a:rPr>
-              <a:t>s </a:t>
-            </a:r>
-            <a:r>
-              <a:rPr lang="da-DK" sz="2400" b="1">
-                <a:latin typeface="Consolas" panose="020B0609020204030204" pitchFamily="49" charset="0"/>
-              </a:rPr>
-              <a:t>= students.ContainsKey(cpr</a:t>
+              <a:t>s = students.ContainsKey(cpr</a:t>
             </a:r>
             <a:r>
               <a:rPr lang="da-DK" sz="2400" b="1" smtClean="0">
@@ -12875,7 +12797,7 @@
                   <a:srgbClr val="FFFF00"/>
                 </a:solidFill>
               </a:rPr>
-              <a:t>011494-2284</a:t>
+              <a:t>140194-2284</a:t>
             </a:r>
             <a:endParaRPr lang="da-DK">
               <a:solidFill>
@@ -12983,7 +12905,7 @@
                   <a:srgbClr val="FFFF00"/>
                 </a:solidFill>
               </a:rPr>
-              <a:t>072291-0811</a:t>
+              <a:t>220791-0811</a:t>
             </a:r>
             <a:endParaRPr lang="da-DK">
               <a:solidFill>
@@ -13214,16 +13136,7 @@
                 </a:solidFill>
                 <a:latin typeface="Consolas" panose="020B0609020204030204" pitchFamily="49" charset="0"/>
               </a:rPr>
-              <a:t>   </a:t>
-            </a:r>
-            <a:r>
-              <a:rPr lang="da-DK" sz="2800" b="1" smtClean="0">
-                <a:solidFill>
-                  <a:srgbClr val="0070C0"/>
-                </a:solidFill>
-                <a:latin typeface="Consolas" panose="020B0609020204030204" pitchFamily="49" charset="0"/>
-              </a:rPr>
-              <a:t>private string</a:t>
+              <a:t>   private string</a:t>
             </a:r>
             <a:r>
               <a:rPr lang="da-DK" sz="2800" b="1" smtClean="0">
@@ -13291,14 +13204,6 @@
               </a:rPr>
               <a:t>   </a:t>
             </a:r>
-            <a:endParaRPr lang="da-DK" sz="2800" b="1" smtClean="0">
-              <a:solidFill>
-                <a:schemeClr val="accent6">
-                  <a:lumMod val="75000"/>
-                </a:schemeClr>
-              </a:solidFill>
-              <a:latin typeface="Consolas" panose="020B0609020204030204" pitchFamily="49" charset="0"/>
-            </a:endParaRPr>
           </a:p>
           <a:p>
             <a:r>
@@ -13321,18 +13226,7 @@
                 </a:solidFill>
                 <a:latin typeface="Consolas" panose="020B0609020204030204" pitchFamily="49" charset="0"/>
               </a:rPr>
-              <a:t>  </a:t>
-            </a:r>
-            <a:r>
-              <a:rPr lang="da-DK" sz="2800" b="1" smtClean="0">
-                <a:solidFill>
-                  <a:schemeClr val="accent6">
-                    <a:lumMod val="75000"/>
-                  </a:schemeClr>
-                </a:solidFill>
-                <a:latin typeface="Consolas" panose="020B0609020204030204" pitchFamily="49" charset="0"/>
-              </a:rPr>
-              <a:t>// ...</a:t>
+              <a:t>  // ...</a:t>
             </a:r>
             <a:endParaRPr lang="da-DK" sz="2800" b="1">
               <a:solidFill>
@@ -14031,7 +13925,7 @@
                   <a:srgbClr val="FFFF00"/>
                 </a:solidFill>
               </a:rPr>
-              <a:t>011494-2284</a:t>
+              <a:t>140194-2284</a:t>
             </a:r>
             <a:endParaRPr lang="da-DK">
               <a:solidFill>
@@ -14163,7 +14057,7 @@
                   <a:srgbClr val="FFFF00"/>
                 </a:solidFill>
               </a:rPr>
-              <a:t>072291-0811</a:t>
+              <a:t>220791-0811</a:t>
             </a:r>
             <a:endParaRPr lang="da-DK">
               <a:solidFill>
@@ -14449,11 +14343,7 @@
             <a:pPr algn="r"/>
             <a:r>
               <a:rPr lang="da-DK" sz="3600" smtClean="0"/>
-              <a:t>Count = </a:t>
-            </a:r>
-            <a:r>
-              <a:rPr lang="da-DK" sz="3600" smtClean="0"/>
-              <a:t>3</a:t>
+              <a:t>Count = 3</a:t>
             </a:r>
             <a:endParaRPr lang="da-DK" sz="3600"/>
           </a:p>
@@ -14564,9 +14454,6 @@
               </a:rPr>
               <a:t>&gt;();</a:t>
             </a:r>
-            <a:endParaRPr lang="da-DK" sz="2800" b="1" smtClean="0">
-              <a:latin typeface="Consolas" panose="020B0609020204030204" pitchFamily="49" charset="0"/>
-            </a:endParaRPr>
           </a:p>
           <a:p>
             <a:r>
@@ -14609,9 +14496,6 @@
               </a:rPr>
               <a:t>…</a:t>
             </a:r>
-            <a:endParaRPr lang="da-DK" sz="2800" b="1" smtClean="0">
-              <a:latin typeface="Consolas" panose="020B0609020204030204" pitchFamily="49" charset="0"/>
-            </a:endParaRPr>
           </a:p>
         </p:txBody>
       </p:sp>
@@ -14763,7 +14647,6 @@
               <a:rPr lang="da-DK" sz="3600"/>
               <a:t>1</a:t>
             </a:r>
-            <a:endParaRPr lang="da-DK" sz="3600"/>
           </a:p>
         </p:txBody>
       </p:sp>
@@ -14823,7 +14706,15 @@
                   <a:srgbClr val="FFFF00"/>
                 </a:solidFill>
               </a:rPr>
-              <a:t>011494-2284</a:t>
+              <a:t>1401</a:t>
+            </a:r>
+            <a:r>
+              <a:rPr lang="da-DK" smtClean="0">
+                <a:solidFill>
+                  <a:srgbClr val="FFFF00"/>
+                </a:solidFill>
+              </a:rPr>
+              <a:t>94-2284</a:t>
             </a:r>
             <a:endParaRPr lang="da-DK">
               <a:solidFill>
@@ -14952,11 +14843,11 @@
   <p:clrMapOvr>
     <a:masterClrMapping/>
   </p:clrMapOvr>
-  <mc:AlternateContent xmlns:mc="http://schemas.openxmlformats.org/markup-compatibility/2006">
-    <mc:Choice xmlns:p14="http://schemas.microsoft.com/office/powerpoint/2010/main" Requires="p14">
+  <mc:AlternateContent xmlns:mc="http://schemas.openxmlformats.org/markup-compatibility/2006" xmlns:p14="http://schemas.microsoft.com/office/powerpoint/2010/main">
+    <mc:Choice Requires="p14">
       <p:transition p14:dur="0"/>
     </mc:Choice>
-    <mc:Fallback>
+    <mc:Fallback xmlns="">
       <p:transition/>
     </mc:Fallback>
   </mc:AlternateContent>
@@ -15031,11 +14922,7 @@
             <a:pPr algn="r"/>
             <a:r>
               <a:rPr lang="da-DK" sz="3600" smtClean="0"/>
-              <a:t>Count = </a:t>
-            </a:r>
-            <a:r>
-              <a:rPr lang="da-DK" sz="3600" smtClean="0"/>
-              <a:t>3</a:t>
+              <a:t>Count = 3</a:t>
             </a:r>
             <a:endParaRPr lang="da-DK" sz="3600"/>
           </a:p>
@@ -15093,7 +14980,7 @@
                 </a:solidFill>
                 <a:latin typeface="Consolas" panose="020B0609020204030204" pitchFamily="49" charset="0"/>
               </a:rPr>
-              <a:t>new</a:t>
+              <a:t>string</a:t>
             </a:r>
             <a:r>
               <a:rPr lang="da-DK" b="1" smtClean="0">
@@ -15444,7 +15331,6 @@
               <a:rPr lang="da-DK" sz="3600"/>
               <a:t>1</a:t>
             </a:r>
-            <a:endParaRPr lang="da-DK" sz="3600"/>
           </a:p>
         </p:txBody>
       </p:sp>
@@ -15504,7 +15390,7 @@
                   <a:srgbClr val="FFFF00"/>
                 </a:solidFill>
               </a:rPr>
-              <a:t>011494-2284</a:t>
+              <a:t>140194-2284</a:t>
             </a:r>
             <a:endParaRPr lang="da-DK">
               <a:solidFill>
@@ -15716,11 +15602,7 @@
             <a:pPr algn="r"/>
             <a:r>
               <a:rPr lang="da-DK" sz="3600" smtClean="0"/>
-              <a:t>Count = </a:t>
-            </a:r>
-            <a:r>
-              <a:rPr lang="da-DK" sz="3600" smtClean="0"/>
-              <a:t>3</a:t>
+              <a:t>Count = 3</a:t>
             </a:r>
             <a:endParaRPr lang="da-DK" sz="3600"/>
           </a:p>
@@ -15831,9 +15713,6 @@
               </a:rPr>
               <a:t>&gt;();</a:t>
             </a:r>
-            <a:endParaRPr lang="da-DK" sz="2800" b="1" smtClean="0">
-              <a:latin typeface="Consolas" panose="020B0609020204030204" pitchFamily="49" charset="0"/>
-            </a:endParaRPr>
           </a:p>
           <a:p>
             <a:r>
@@ -16061,7 +15940,6 @@
               <a:rPr lang="da-DK" sz="3600"/>
               <a:t>1</a:t>
             </a:r>
-            <a:endParaRPr lang="da-DK" sz="3600"/>
           </a:p>
         </p:txBody>
       </p:sp>
@@ -16121,7 +15999,7 @@
                   <a:srgbClr val="FFFF00"/>
                 </a:solidFill>
               </a:rPr>
-              <a:t>011494-2284</a:t>
+              <a:t>140194-2284</a:t>
             </a:r>
             <a:endParaRPr lang="da-DK">
               <a:solidFill>
@@ -16168,9 +16046,8 @@
           <a:p>
             <a:r>
               <a:rPr lang="da-DK" sz="3600"/>
-              <a:t>1</a:t>
-            </a:r>
-            <a:endParaRPr lang="da-DK" sz="3600"/>
+              <a:t>2</a:t>
+            </a:r>
           </a:p>
         </p:txBody>
       </p:sp>
